--- a/Week 10 - Greedy Algorithms/Greedy Algorithms.pptx
+++ b/Week 10 - Greedy Algorithms/Greedy Algorithms.pptx
@@ -480,7 +480,7 @@
           <a:p>
             <a:fld id="{F666E1FD-E7A0-497B-BBC0-740BAAC97C64}" type="datetimeFigureOut">
               <a:rPr lang="en-PH" smtClean="0"/>
-              <a:t>30/05/2024</a:t>
+              <a:t>06/06/2024</a:t>
             </a:fld>
             <a:endParaRPr lang="en-PH"/>
           </a:p>
@@ -3585,7 +3585,7 @@
           <a:p>
             <a:fld id="{0CCF0B81-6BD8-4C65-9459-815598C5F1F4}" type="datetimeFigureOut">
               <a:rPr lang="en-PH" smtClean="0"/>
-              <a:t>30/05/2024</a:t>
+              <a:t>06/06/2024</a:t>
             </a:fld>
             <a:endParaRPr lang="en-PH"/>
           </a:p>
@@ -3785,7 +3785,7 @@
           <a:p>
             <a:fld id="{0CCF0B81-6BD8-4C65-9459-815598C5F1F4}" type="datetimeFigureOut">
               <a:rPr lang="en-PH" smtClean="0"/>
-              <a:t>30/05/2024</a:t>
+              <a:t>06/06/2024</a:t>
             </a:fld>
             <a:endParaRPr lang="en-PH"/>
           </a:p>
@@ -3995,7 +3995,7 @@
           <a:p>
             <a:fld id="{0CCF0B81-6BD8-4C65-9459-815598C5F1F4}" type="datetimeFigureOut">
               <a:rPr lang="en-PH" smtClean="0"/>
-              <a:t>30/05/2024</a:t>
+              <a:t>06/06/2024</a:t>
             </a:fld>
             <a:endParaRPr lang="en-PH"/>
           </a:p>
@@ -4195,7 +4195,7 @@
           <a:p>
             <a:fld id="{0CCF0B81-6BD8-4C65-9459-815598C5F1F4}" type="datetimeFigureOut">
               <a:rPr lang="en-PH" smtClean="0"/>
-              <a:t>30/05/2024</a:t>
+              <a:t>06/06/2024</a:t>
             </a:fld>
             <a:endParaRPr lang="en-PH"/>
           </a:p>
@@ -4471,7 +4471,7 @@
           <a:p>
             <a:fld id="{0CCF0B81-6BD8-4C65-9459-815598C5F1F4}" type="datetimeFigureOut">
               <a:rPr lang="en-PH" smtClean="0"/>
-              <a:t>30/05/2024</a:t>
+              <a:t>06/06/2024</a:t>
             </a:fld>
             <a:endParaRPr lang="en-PH"/>
           </a:p>
@@ -4739,7 +4739,7 @@
           <a:p>
             <a:fld id="{0CCF0B81-6BD8-4C65-9459-815598C5F1F4}" type="datetimeFigureOut">
               <a:rPr lang="en-PH" smtClean="0"/>
-              <a:t>30/05/2024</a:t>
+              <a:t>06/06/2024</a:t>
             </a:fld>
             <a:endParaRPr lang="en-PH"/>
           </a:p>
@@ -5154,7 +5154,7 @@
           <a:p>
             <a:fld id="{0CCF0B81-6BD8-4C65-9459-815598C5F1F4}" type="datetimeFigureOut">
               <a:rPr lang="en-PH" smtClean="0"/>
-              <a:t>30/05/2024</a:t>
+              <a:t>06/06/2024</a:t>
             </a:fld>
             <a:endParaRPr lang="en-PH"/>
           </a:p>
@@ -5296,7 +5296,7 @@
           <a:p>
             <a:fld id="{0CCF0B81-6BD8-4C65-9459-815598C5F1F4}" type="datetimeFigureOut">
               <a:rPr lang="en-PH" smtClean="0"/>
-              <a:t>30/05/2024</a:t>
+              <a:t>06/06/2024</a:t>
             </a:fld>
             <a:endParaRPr lang="en-PH"/>
           </a:p>
@@ -5409,7 +5409,7 @@
           <a:p>
             <a:fld id="{0CCF0B81-6BD8-4C65-9459-815598C5F1F4}" type="datetimeFigureOut">
               <a:rPr lang="en-PH" smtClean="0"/>
-              <a:t>30/05/2024</a:t>
+              <a:t>06/06/2024</a:t>
             </a:fld>
             <a:endParaRPr lang="en-PH"/>
           </a:p>
@@ -5722,7 +5722,7 @@
           <a:p>
             <a:fld id="{0CCF0B81-6BD8-4C65-9459-815598C5F1F4}" type="datetimeFigureOut">
               <a:rPr lang="en-PH" smtClean="0"/>
-              <a:t>30/05/2024</a:t>
+              <a:t>06/06/2024</a:t>
             </a:fld>
             <a:endParaRPr lang="en-PH"/>
           </a:p>
@@ -6011,7 +6011,7 @@
           <a:p>
             <a:fld id="{0CCF0B81-6BD8-4C65-9459-815598C5F1F4}" type="datetimeFigureOut">
               <a:rPr lang="en-PH" smtClean="0"/>
-              <a:t>30/05/2024</a:t>
+              <a:t>06/06/2024</a:t>
             </a:fld>
             <a:endParaRPr lang="en-PH"/>
           </a:p>
@@ -6254,7 +6254,7 @@
           <a:p>
             <a:fld id="{0CCF0B81-6BD8-4C65-9459-815598C5F1F4}" type="datetimeFigureOut">
               <a:rPr lang="en-PH" smtClean="0"/>
-              <a:t>30/05/2024</a:t>
+              <a:t>06/06/2024</a:t>
             </a:fld>
             <a:endParaRPr lang="en-PH"/>
           </a:p>
@@ -13043,7 +13043,7 @@
             </a:pPr>
             <a:r>
               <a:rPr lang="en-GB" sz="2400" dirty="0"/>
-              <a:t>Charger (5kg)</a:t>
+              <a:t>Charger (1kg)</a:t>
             </a:r>
             <a:endParaRPr lang="en-PH" sz="2400" dirty="0"/>
           </a:p>
@@ -14882,7 +14882,7 @@
             </a:pPr>
             <a:r>
               <a:rPr lang="en-GB" sz="2400" dirty="0"/>
-              <a:t>Charger (5kg)</a:t>
+              <a:t>Charger (1kg)</a:t>
             </a:r>
             <a:endParaRPr lang="en-PH" sz="2400" dirty="0"/>
           </a:p>
@@ -16922,7 +16922,21 @@
                           <a:latin typeface="Cambria Math" panose="02040503050406030204" pitchFamily="18" charset="0"/>
                           <a:ea typeface="Cambria Math" panose="02040503050406030204" pitchFamily="18" charset="0"/>
                         </a:rPr>
-                        <m:t>× 2)+(1 × 5)+(0 × 7)+(1 × 1)+(1 × 4)+(1 × 1)</m:t>
+                        <m:t>×</m:t>
+                      </m:r>
+                      <m:r>
+                        <a:rPr lang="en-US" sz="2400" b="0" i="1" smtClean="0">
+                          <a:latin typeface="Cambria Math" panose="02040503050406030204" pitchFamily="18" charset="0"/>
+                          <a:ea typeface="Cambria Math" panose="02040503050406030204" pitchFamily="18" charset="0"/>
+                        </a:rPr>
+                        <m:t>3</m:t>
+                      </m:r>
+                      <m:r>
+                        <a:rPr lang="en-GB" sz="2400" b="0" i="1" smtClean="0">
+                          <a:latin typeface="Cambria Math" panose="02040503050406030204" pitchFamily="18" charset="0"/>
+                          <a:ea typeface="Cambria Math" panose="02040503050406030204" pitchFamily="18" charset="0"/>
+                        </a:rPr>
+                        <m:t>)+(1 × 5)+(0 × 7)+(1 × 1)+(1 × 4)+(1 × 1)</m:t>
                       </m:r>
                     </m:oMath>
                   </m:oMathPara>
@@ -16977,8 +16991,8 @@
           </p:sp>
         </mc:Fallback>
       </mc:AlternateContent>
-      <mc:AlternateContent xmlns:mc="http://schemas.openxmlformats.org/markup-compatibility/2006">
-        <mc:Choice xmlns:a14="http://schemas.microsoft.com/office/drawing/2010/main" Requires="a14">
+      <mc:AlternateContent xmlns:mc="http://schemas.openxmlformats.org/markup-compatibility/2006" xmlns:a14="http://schemas.microsoft.com/office/drawing/2010/main">
+        <mc:Choice Requires="a14">
           <p:sp>
             <p:nvSpPr>
               <p:cNvPr id="6" name="TextBox 5">
@@ -17068,7 +17082,7 @@
             </p:txBody>
           </p:sp>
         </mc:Choice>
-        <mc:Fallback>
+        <mc:Fallback xmlns="">
           <p:sp>
             <p:nvSpPr>
               <p:cNvPr id="6" name="TextBox 5">
@@ -18755,8 +18769,8 @@
           </p:graphicFrame>
         </mc:Fallback>
       </mc:AlternateContent>
-      <mc:AlternateContent xmlns:mc="http://schemas.openxmlformats.org/markup-compatibility/2006">
-        <mc:Choice xmlns:a14="http://schemas.microsoft.com/office/drawing/2010/main" Requires="a14">
+      <mc:AlternateContent xmlns:mc="http://schemas.openxmlformats.org/markup-compatibility/2006" xmlns:a14="http://schemas.microsoft.com/office/drawing/2010/main">
+        <mc:Choice Requires="a14">
           <p:sp>
             <p:nvSpPr>
               <p:cNvPr id="3" name="TextBox 2">
@@ -18914,7 +18928,7 @@
             </p:txBody>
           </p:sp>
         </mc:Choice>
-        <mc:Fallback>
+        <mc:Fallback xmlns="">
           <p:sp>
             <p:nvSpPr>
               <p:cNvPr id="3" name="TextBox 2">
@@ -18959,8 +18973,8 @@
           </p:sp>
         </mc:Fallback>
       </mc:AlternateContent>
-      <mc:AlternateContent xmlns:mc="http://schemas.openxmlformats.org/markup-compatibility/2006">
-        <mc:Choice xmlns:a14="http://schemas.microsoft.com/office/drawing/2010/main" Requires="a14">
+      <mc:AlternateContent xmlns:mc="http://schemas.openxmlformats.org/markup-compatibility/2006" xmlns:a14="http://schemas.microsoft.com/office/drawing/2010/main">
+        <mc:Choice Requires="a14">
           <p:sp>
             <p:nvSpPr>
               <p:cNvPr id="6" name="TextBox 5">
@@ -19044,7 +19058,7 @@
             </p:txBody>
           </p:sp>
         </mc:Choice>
-        <mc:Fallback>
+        <mc:Fallback xmlns="">
           <p:sp>
             <p:nvSpPr>
               <p:cNvPr id="6" name="TextBox 5">
@@ -23383,8 +23397,8 @@
           </a:p>
         </p:txBody>
       </p:sp>
-      <mc:AlternateContent xmlns:mc="http://schemas.openxmlformats.org/markup-compatibility/2006">
-        <mc:Choice xmlns:a14="http://schemas.microsoft.com/office/drawing/2010/main" Requires="a14">
+      <mc:AlternateContent xmlns:mc="http://schemas.openxmlformats.org/markup-compatibility/2006" xmlns:a14="http://schemas.microsoft.com/office/drawing/2010/main">
+        <mc:Choice Requires="a14">
           <p:sp>
             <p:nvSpPr>
               <p:cNvPr id="7" name="TextBox 6">
@@ -23418,7 +23432,6 @@
               </a:bodyPr>
               <a:lstStyle/>
               <a:p>
-                <a:pPr/>
                 <a:r>
                   <a:rPr lang="en-GB" sz="3000" b="0" dirty="0"/>
                   <a:t>Thus, a of </a:t>
@@ -23448,7 +23461,7 @@
             </p:txBody>
           </p:sp>
         </mc:Choice>
-        <mc:Fallback>
+        <mc:Fallback xmlns="">
           <p:sp>
             <p:nvSpPr>
               <p:cNvPr id="7" name="TextBox 6">
@@ -26470,8 +26483,8 @@
           </a:graphicData>
         </a:graphic>
       </p:graphicFrame>
-      <mc:AlternateContent xmlns:mc="http://schemas.openxmlformats.org/markup-compatibility/2006">
-        <mc:Choice xmlns:a14="http://schemas.microsoft.com/office/drawing/2010/main" Requires="a14">
+      <mc:AlternateContent xmlns:mc="http://schemas.openxmlformats.org/markup-compatibility/2006" xmlns:a14="http://schemas.microsoft.com/office/drawing/2010/main">
+        <mc:Choice Requires="a14">
           <p:sp>
             <p:nvSpPr>
               <p:cNvPr id="5" name="TextBox 4">
@@ -26644,7 +26657,7 @@
             </p:txBody>
           </p:sp>
         </mc:Choice>
-        <mc:Fallback>
+        <mc:Fallback xmlns="">
           <p:sp>
             <p:nvSpPr>
               <p:cNvPr id="5" name="TextBox 4">
@@ -26694,8 +26707,8 @@
           </p:sp>
         </mc:Fallback>
       </mc:AlternateContent>
-      <mc:AlternateContent xmlns:mc="http://schemas.openxmlformats.org/markup-compatibility/2006">
-        <mc:Choice xmlns:a14="http://schemas.microsoft.com/office/drawing/2010/main" Requires="a14">
+      <mc:AlternateContent xmlns:mc="http://schemas.openxmlformats.org/markup-compatibility/2006" xmlns:a14="http://schemas.microsoft.com/office/drawing/2010/main">
+        <mc:Choice Requires="a14">
           <p:sp>
             <p:nvSpPr>
               <p:cNvPr id="6" name="TextBox 5">
@@ -26868,7 +26881,7 @@
             </p:txBody>
           </p:sp>
         </mc:Choice>
-        <mc:Fallback>
+        <mc:Fallback xmlns="">
           <p:sp>
             <p:nvSpPr>
               <p:cNvPr id="6" name="TextBox 5">
@@ -27507,8 +27520,8 @@
           </a:graphicData>
         </a:graphic>
       </p:graphicFrame>
-      <mc:AlternateContent xmlns:mc="http://schemas.openxmlformats.org/markup-compatibility/2006">
-        <mc:Choice xmlns:a14="http://schemas.microsoft.com/office/drawing/2010/main" Requires="a14">
+      <mc:AlternateContent xmlns:mc="http://schemas.openxmlformats.org/markup-compatibility/2006" xmlns:a14="http://schemas.microsoft.com/office/drawing/2010/main">
+        <mc:Choice Requires="a14">
           <p:sp>
             <p:nvSpPr>
               <p:cNvPr id="22" name="TextBox 21">
@@ -27576,7 +27589,7 @@
             </p:txBody>
           </p:sp>
         </mc:Choice>
-        <mc:Fallback>
+        <mc:Fallback xmlns="">
           <p:sp>
             <p:nvSpPr>
               <p:cNvPr id="22" name="TextBox 21">
@@ -27626,8 +27639,8 @@
           </p:sp>
         </mc:Fallback>
       </mc:AlternateContent>
-      <mc:AlternateContent xmlns:mc="http://schemas.openxmlformats.org/markup-compatibility/2006">
-        <mc:Choice xmlns:a14="http://schemas.microsoft.com/office/drawing/2010/main" Requires="a14">
+      <mc:AlternateContent xmlns:mc="http://schemas.openxmlformats.org/markup-compatibility/2006" xmlns:a14="http://schemas.microsoft.com/office/drawing/2010/main">
+        <mc:Choice Requires="a14">
           <p:sp>
             <p:nvSpPr>
               <p:cNvPr id="29" name="TextBox 28">
@@ -27695,7 +27708,7 @@
             </p:txBody>
           </p:sp>
         </mc:Choice>
-        <mc:Fallback>
+        <mc:Fallback xmlns="">
           <p:sp>
             <p:nvSpPr>
               <p:cNvPr id="29" name="TextBox 28">
@@ -27745,8 +27758,8 @@
           </p:sp>
         </mc:Fallback>
       </mc:AlternateContent>
-      <mc:AlternateContent xmlns:mc="http://schemas.openxmlformats.org/markup-compatibility/2006">
-        <mc:Choice xmlns:a14="http://schemas.microsoft.com/office/drawing/2010/main" Requires="a14">
+      <mc:AlternateContent xmlns:mc="http://schemas.openxmlformats.org/markup-compatibility/2006" xmlns:a14="http://schemas.microsoft.com/office/drawing/2010/main">
+        <mc:Choice Requires="a14">
           <p:sp>
             <p:nvSpPr>
               <p:cNvPr id="30" name="TextBox 29">
@@ -27814,7 +27827,7 @@
             </p:txBody>
           </p:sp>
         </mc:Choice>
-        <mc:Fallback>
+        <mc:Fallback xmlns="">
           <p:sp>
             <p:nvSpPr>
               <p:cNvPr id="30" name="TextBox 29">
@@ -27864,8 +27877,8 @@
           </p:sp>
         </mc:Fallback>
       </mc:AlternateContent>
-      <mc:AlternateContent xmlns:mc="http://schemas.openxmlformats.org/markup-compatibility/2006">
-        <mc:Choice xmlns:a14="http://schemas.microsoft.com/office/drawing/2010/main" Requires="a14">
+      <mc:AlternateContent xmlns:mc="http://schemas.openxmlformats.org/markup-compatibility/2006" xmlns:a14="http://schemas.microsoft.com/office/drawing/2010/main">
+        <mc:Choice Requires="a14">
           <p:sp>
             <p:nvSpPr>
               <p:cNvPr id="31" name="TextBox 30">
@@ -27933,7 +27946,7 @@
             </p:txBody>
           </p:sp>
         </mc:Choice>
-        <mc:Fallback>
+        <mc:Fallback xmlns="">
           <p:sp>
             <p:nvSpPr>
               <p:cNvPr id="31" name="TextBox 30">
@@ -27983,8 +27996,8 @@
           </p:sp>
         </mc:Fallback>
       </mc:AlternateContent>
-      <mc:AlternateContent xmlns:mc="http://schemas.openxmlformats.org/markup-compatibility/2006">
-        <mc:Choice xmlns:a14="http://schemas.microsoft.com/office/drawing/2010/main" Requires="a14">
+      <mc:AlternateContent xmlns:mc="http://schemas.openxmlformats.org/markup-compatibility/2006" xmlns:a14="http://schemas.microsoft.com/office/drawing/2010/main">
+        <mc:Choice Requires="a14">
           <p:sp>
             <p:nvSpPr>
               <p:cNvPr id="32" name="TextBox 31">
@@ -28052,7 +28065,7 @@
             </p:txBody>
           </p:sp>
         </mc:Choice>
-        <mc:Fallback>
+        <mc:Fallback xmlns="">
           <p:sp>
             <p:nvSpPr>
               <p:cNvPr id="32" name="TextBox 31">
@@ -29704,8 +29717,8 @@
             <a:chExt cx="6076522" cy="3772748"/>
           </a:xfrm>
         </p:grpSpPr>
-        <mc:AlternateContent xmlns:mc="http://schemas.openxmlformats.org/markup-compatibility/2006">
-          <mc:Choice xmlns:a14="http://schemas.microsoft.com/office/drawing/2010/main" Requires="a14">
+        <mc:AlternateContent xmlns:mc="http://schemas.openxmlformats.org/markup-compatibility/2006" xmlns:a14="http://schemas.microsoft.com/office/drawing/2010/main">
+          <mc:Choice Requires="a14">
             <p:sp>
               <p:nvSpPr>
                 <p:cNvPr id="22" name="TextBox 21">
@@ -29773,7 +29786,7 @@
               </p:txBody>
             </p:sp>
           </mc:Choice>
-          <mc:Fallback>
+          <mc:Fallback xmlns="">
             <p:sp>
               <p:nvSpPr>
                 <p:cNvPr id="22" name="TextBox 21">
@@ -29823,8 +29836,8 @@
             </p:sp>
           </mc:Fallback>
         </mc:AlternateContent>
-        <mc:AlternateContent xmlns:mc="http://schemas.openxmlformats.org/markup-compatibility/2006">
-          <mc:Choice xmlns:a14="http://schemas.microsoft.com/office/drawing/2010/main" Requires="a14">
+        <mc:AlternateContent xmlns:mc="http://schemas.openxmlformats.org/markup-compatibility/2006" xmlns:a14="http://schemas.microsoft.com/office/drawing/2010/main">
+          <mc:Choice Requires="a14">
             <p:sp>
               <p:nvSpPr>
                 <p:cNvPr id="29" name="TextBox 28">
@@ -29892,7 +29905,7 @@
               </p:txBody>
             </p:sp>
           </mc:Choice>
-          <mc:Fallback>
+          <mc:Fallback xmlns="">
             <p:sp>
               <p:nvSpPr>
                 <p:cNvPr id="29" name="TextBox 28">
@@ -29942,8 +29955,8 @@
             </p:sp>
           </mc:Fallback>
         </mc:AlternateContent>
-        <mc:AlternateContent xmlns:mc="http://schemas.openxmlformats.org/markup-compatibility/2006">
-          <mc:Choice xmlns:a14="http://schemas.microsoft.com/office/drawing/2010/main" Requires="a14">
+        <mc:AlternateContent xmlns:mc="http://schemas.openxmlformats.org/markup-compatibility/2006" xmlns:a14="http://schemas.microsoft.com/office/drawing/2010/main">
+          <mc:Choice Requires="a14">
             <p:sp>
               <p:nvSpPr>
                 <p:cNvPr id="30" name="TextBox 29">
@@ -30011,7 +30024,7 @@
               </p:txBody>
             </p:sp>
           </mc:Choice>
-          <mc:Fallback>
+          <mc:Fallback xmlns="">
             <p:sp>
               <p:nvSpPr>
                 <p:cNvPr id="30" name="TextBox 29">
@@ -30061,8 +30074,8 @@
             </p:sp>
           </mc:Fallback>
         </mc:AlternateContent>
-        <mc:AlternateContent xmlns:mc="http://schemas.openxmlformats.org/markup-compatibility/2006">
-          <mc:Choice xmlns:a14="http://schemas.microsoft.com/office/drawing/2010/main" Requires="a14">
+        <mc:AlternateContent xmlns:mc="http://schemas.openxmlformats.org/markup-compatibility/2006" xmlns:a14="http://schemas.microsoft.com/office/drawing/2010/main">
+          <mc:Choice Requires="a14">
             <p:sp>
               <p:nvSpPr>
                 <p:cNvPr id="31" name="TextBox 30">
@@ -30130,7 +30143,7 @@
               </p:txBody>
             </p:sp>
           </mc:Choice>
-          <mc:Fallback>
+          <mc:Fallback xmlns="">
             <p:sp>
               <p:nvSpPr>
                 <p:cNvPr id="31" name="TextBox 30">
@@ -30180,8 +30193,8 @@
             </p:sp>
           </mc:Fallback>
         </mc:AlternateContent>
-        <mc:AlternateContent xmlns:mc="http://schemas.openxmlformats.org/markup-compatibility/2006">
-          <mc:Choice xmlns:a14="http://schemas.microsoft.com/office/drawing/2010/main" Requires="a14">
+        <mc:AlternateContent xmlns:mc="http://schemas.openxmlformats.org/markup-compatibility/2006" xmlns:a14="http://schemas.microsoft.com/office/drawing/2010/main">
+          <mc:Choice Requires="a14">
             <p:sp>
               <p:nvSpPr>
                 <p:cNvPr id="32" name="TextBox 31">
@@ -30249,7 +30262,7 @@
               </p:txBody>
             </p:sp>
           </mc:Choice>
-          <mc:Fallback>
+          <mc:Fallback xmlns="">
             <p:sp>
               <p:nvSpPr>
                 <p:cNvPr id="32" name="TextBox 31">
@@ -31356,8 +31369,8 @@
           </p:txBody>
         </p:sp>
       </p:grpSp>
-      <mc:AlternateContent xmlns:mc="http://schemas.openxmlformats.org/markup-compatibility/2006">
-        <mc:Choice xmlns:a14="http://schemas.microsoft.com/office/drawing/2010/main" Requires="a14">
+      <mc:AlternateContent xmlns:mc="http://schemas.openxmlformats.org/markup-compatibility/2006" xmlns:a14="http://schemas.microsoft.com/office/drawing/2010/main">
+        <mc:Choice Requires="a14">
           <p:graphicFrame>
             <p:nvGraphicFramePr>
               <p:cNvPr id="6" name="Table 5">
@@ -31660,21 +31673,7 @@
                                     <a:latin typeface="Cambria Math" panose="02040503050406030204" pitchFamily="18" charset="0"/>
                                     <a:ea typeface="Cambria Math" panose="02040503050406030204" pitchFamily="18" charset="0"/>
                                   </a:rPr>
-                                  <m:t>2</m:t>
-                                </m:r>
-                                <m:r>
-                                  <a:rPr lang="en-PH" sz="1800" b="0" i="1" smtClean="0">
-                                    <a:latin typeface="Cambria Math" panose="02040503050406030204" pitchFamily="18" charset="0"/>
-                                    <a:ea typeface="Cambria Math" panose="02040503050406030204" pitchFamily="18" charset="0"/>
-                                  </a:rPr>
-                                  <m:t>=</m:t>
-                                </m:r>
-                                <m:r>
-                                  <a:rPr lang="en-PH" sz="1800" b="0" i="1" smtClean="0">
-                                    <a:latin typeface="Cambria Math" panose="02040503050406030204" pitchFamily="18" charset="0"/>
-                                    <a:ea typeface="Cambria Math" panose="02040503050406030204" pitchFamily="18" charset="0"/>
-                                  </a:rPr>
-                                  <m:t>10</m:t>
+                                  <m:t>2=10</m:t>
                                 </m:r>
                               </m:oMath>
                             </m:oMathPara>
@@ -31780,14 +31779,7 @@
                                     <a:latin typeface="Cambria Math" panose="02040503050406030204" pitchFamily="18" charset="0"/>
                                     <a:ea typeface="Cambria Math" panose="02040503050406030204" pitchFamily="18" charset="0"/>
                                   </a:rPr>
-                                  <m:t>2=1</m:t>
-                                </m:r>
-                                <m:r>
-                                  <a:rPr lang="en-PH" sz="1800" b="0" i="1" smtClean="0">
-                                    <a:latin typeface="Cambria Math" panose="02040503050406030204" pitchFamily="18" charset="0"/>
-                                    <a:ea typeface="Cambria Math" panose="02040503050406030204" pitchFamily="18" charset="0"/>
-                                  </a:rPr>
-                                  <m:t>2</m:t>
+                                  <m:t>2=12</m:t>
                                 </m:r>
                               </m:oMath>
                             </m:oMathPara>
@@ -31897,14 +31889,7 @@
                                     <a:latin typeface="Cambria Math" panose="02040503050406030204" pitchFamily="18" charset="0"/>
                                     <a:ea typeface="Cambria Math" panose="02040503050406030204" pitchFamily="18" charset="0"/>
                                   </a:rPr>
-                                  <m:t>2=</m:t>
-                                </m:r>
-                                <m:r>
-                                  <a:rPr lang="en-PH" sz="1800" b="0" i="1" smtClean="0">
-                                    <a:latin typeface="Cambria Math" panose="02040503050406030204" pitchFamily="18" charset="0"/>
-                                    <a:ea typeface="Cambria Math" panose="02040503050406030204" pitchFamily="18" charset="0"/>
-                                  </a:rPr>
-                                  <m:t>8</m:t>
+                                  <m:t>2=8</m:t>
                                 </m:r>
                               </m:oMath>
                             </m:oMathPara>
@@ -31998,21 +31983,7 @@
                                     <a:latin typeface="Cambria Math" panose="02040503050406030204" pitchFamily="18" charset="0"/>
                                     <a:ea typeface="Cambria Math" panose="02040503050406030204" pitchFamily="18" charset="0"/>
                                   </a:rPr>
-                                  <m:t>3</m:t>
-                                </m:r>
-                                <m:r>
-                                  <a:rPr lang="en-PH" sz="1800" b="0" i="1" smtClean="0">
-                                    <a:latin typeface="Cambria Math" panose="02040503050406030204" pitchFamily="18" charset="0"/>
-                                    <a:ea typeface="Cambria Math" panose="02040503050406030204" pitchFamily="18" charset="0"/>
-                                  </a:rPr>
-                                  <m:t>=</m:t>
-                                </m:r>
-                                <m:r>
-                                  <a:rPr lang="en-PH" sz="1800" b="0" i="1" smtClean="0">
-                                    <a:latin typeface="Cambria Math" panose="02040503050406030204" pitchFamily="18" charset="0"/>
-                                    <a:ea typeface="Cambria Math" panose="02040503050406030204" pitchFamily="18" charset="0"/>
-                                  </a:rPr>
-                                  <m:t>6</m:t>
+                                  <m:t>3=6</m:t>
                                 </m:r>
                               </m:oMath>
                             </m:oMathPara>
@@ -32033,7 +32004,7 @@
             </a:graphic>
           </p:graphicFrame>
         </mc:Choice>
-        <mc:Fallback>
+        <mc:Fallback xmlns="">
           <p:graphicFrame>
             <p:nvGraphicFramePr>
               <p:cNvPr id="6" name="Table 5">
@@ -32845,8 +32816,8 @@
           </a:p>
         </p:txBody>
       </p:sp>
-      <mc:AlternateContent xmlns:mc="http://schemas.openxmlformats.org/markup-compatibility/2006">
-        <mc:Choice xmlns:a14="http://schemas.microsoft.com/office/drawing/2010/main" Requires="a14">
+      <mc:AlternateContent xmlns:mc="http://schemas.openxmlformats.org/markup-compatibility/2006" xmlns:a14="http://schemas.microsoft.com/office/drawing/2010/main">
+        <mc:Choice Requires="a14">
           <p:graphicFrame>
             <p:nvGraphicFramePr>
               <p:cNvPr id="6" name="Table 5">
@@ -33480,7 +33451,7 @@
             </a:graphic>
           </p:graphicFrame>
         </mc:Choice>
-        <mc:Fallback>
+        <mc:Fallback xmlns="">
           <p:graphicFrame>
             <p:nvGraphicFramePr>
               <p:cNvPr id="6" name="Table 5">
@@ -33943,8 +33914,8 @@
           </p:graphicFrame>
         </mc:Fallback>
       </mc:AlternateContent>
-      <mc:AlternateContent xmlns:mc="http://schemas.openxmlformats.org/markup-compatibility/2006">
-        <mc:Choice xmlns:a14="http://schemas.microsoft.com/office/drawing/2010/main" Requires="a14">
+      <mc:AlternateContent xmlns:mc="http://schemas.openxmlformats.org/markup-compatibility/2006" xmlns:a14="http://schemas.microsoft.com/office/drawing/2010/main">
+        <mc:Choice Requires="a14">
           <p:graphicFrame>
             <p:nvGraphicFramePr>
               <p:cNvPr id="7" name="Table 6">
@@ -34236,7 +34207,7 @@
             </a:graphic>
           </p:graphicFrame>
         </mc:Choice>
-        <mc:Fallback>
+        <mc:Fallback xmlns="">
           <p:graphicFrame>
             <p:nvGraphicFramePr>
               <p:cNvPr id="7" name="Table 6">
@@ -34432,8 +34403,8 @@
           </p:graphicFrame>
         </mc:Fallback>
       </mc:AlternateContent>
-      <mc:AlternateContent xmlns:mc="http://schemas.openxmlformats.org/markup-compatibility/2006">
-        <mc:Choice xmlns:p14="http://schemas.microsoft.com/office/powerpoint/2010/main" Requires="p14">
+      <mc:AlternateContent xmlns:mc="http://schemas.openxmlformats.org/markup-compatibility/2006" xmlns:p14="http://schemas.microsoft.com/office/powerpoint/2010/main">
+        <mc:Choice Requires="p14">
           <p:contentPart p14:bwMode="auto" r:id="rId6">
             <p14:nvContentPartPr>
               <p14:cNvPr id="3" name="Ink 2">
@@ -34452,7 +34423,7 @@
             </p14:xfrm>
           </p:contentPart>
         </mc:Choice>
-        <mc:Fallback>
+        <mc:Fallback xmlns="">
           <p:pic>
             <p:nvPicPr>
               <p:cNvPr id="3" name="Ink 2">
@@ -34483,8 +34454,8 @@
           </p:pic>
         </mc:Fallback>
       </mc:AlternateContent>
-      <mc:AlternateContent xmlns:mc="http://schemas.openxmlformats.org/markup-compatibility/2006">
-        <mc:Choice xmlns:p14="http://schemas.microsoft.com/office/powerpoint/2010/main" Requires="p14">
+      <mc:AlternateContent xmlns:mc="http://schemas.openxmlformats.org/markup-compatibility/2006" xmlns:p14="http://schemas.microsoft.com/office/powerpoint/2010/main">
+        <mc:Choice Requires="p14">
           <p:contentPart p14:bwMode="auto" r:id="rId8">
             <p14:nvContentPartPr>
               <p14:cNvPr id="11" name="Ink 10">
@@ -34503,7 +34474,7 @@
             </p14:xfrm>
           </p:contentPart>
         </mc:Choice>
-        <mc:Fallback>
+        <mc:Fallback xmlns="">
           <p:pic>
             <p:nvPicPr>
               <p:cNvPr id="11" name="Ink 10">
@@ -34554,8 +34525,8 @@
             <a:chExt cx="4719960" cy="908640"/>
           </a:xfrm>
         </p:grpSpPr>
-        <mc:AlternateContent xmlns:mc="http://schemas.openxmlformats.org/markup-compatibility/2006">
-          <mc:Choice xmlns:p14="http://schemas.microsoft.com/office/powerpoint/2010/main" Requires="p14">
+        <mc:AlternateContent xmlns:mc="http://schemas.openxmlformats.org/markup-compatibility/2006" xmlns:p14="http://schemas.microsoft.com/office/powerpoint/2010/main">
+          <mc:Choice Requires="p14">
             <p:contentPart p14:bwMode="auto" r:id="rId10">
               <p14:nvContentPartPr>
                 <p14:cNvPr id="8" name="Ink 7">
@@ -34574,7 +34545,7 @@
               </p14:xfrm>
             </p:contentPart>
           </mc:Choice>
-          <mc:Fallback>
+          <mc:Fallback xmlns="">
             <p:pic>
               <p:nvPicPr>
                 <p:cNvPr id="8" name="Ink 7">
@@ -34605,8 +34576,8 @@
             </p:pic>
           </mc:Fallback>
         </mc:AlternateContent>
-        <mc:AlternateContent xmlns:mc="http://schemas.openxmlformats.org/markup-compatibility/2006">
-          <mc:Choice xmlns:p14="http://schemas.microsoft.com/office/powerpoint/2010/main" Requires="p14">
+        <mc:AlternateContent xmlns:mc="http://schemas.openxmlformats.org/markup-compatibility/2006" xmlns:p14="http://schemas.microsoft.com/office/powerpoint/2010/main">
+          <mc:Choice Requires="p14">
             <p:contentPart p14:bwMode="auto" r:id="rId12">
               <p14:nvContentPartPr>
                 <p14:cNvPr id="9" name="Ink 8">
@@ -34625,7 +34596,7 @@
               </p14:xfrm>
             </p:contentPart>
           </mc:Choice>
-          <mc:Fallback>
+          <mc:Fallback xmlns="">
             <p:pic>
               <p:nvPicPr>
                 <p:cNvPr id="9" name="Ink 8">
@@ -34677,8 +34648,8 @@
             <a:chExt cx="5472720" cy="1031040"/>
           </a:xfrm>
         </p:grpSpPr>
-        <mc:AlternateContent xmlns:mc="http://schemas.openxmlformats.org/markup-compatibility/2006">
-          <mc:Choice xmlns:p14="http://schemas.microsoft.com/office/powerpoint/2010/main" Requires="p14">
+        <mc:AlternateContent xmlns:mc="http://schemas.openxmlformats.org/markup-compatibility/2006" xmlns:p14="http://schemas.microsoft.com/office/powerpoint/2010/main">
+          <mc:Choice Requires="p14">
             <p:contentPart p14:bwMode="auto" r:id="rId14">
               <p14:nvContentPartPr>
                 <p14:cNvPr id="12" name="Ink 11">
@@ -34697,7 +34668,7 @@
               </p14:xfrm>
             </p:contentPart>
           </mc:Choice>
-          <mc:Fallback>
+          <mc:Fallback xmlns="">
             <p:pic>
               <p:nvPicPr>
                 <p:cNvPr id="12" name="Ink 11">
@@ -34728,8 +34699,8 @@
             </p:pic>
           </mc:Fallback>
         </mc:AlternateContent>
-        <mc:AlternateContent xmlns:mc="http://schemas.openxmlformats.org/markup-compatibility/2006">
-          <mc:Choice xmlns:p14="http://schemas.microsoft.com/office/powerpoint/2010/main" Requires="p14">
+        <mc:AlternateContent xmlns:mc="http://schemas.openxmlformats.org/markup-compatibility/2006" xmlns:p14="http://schemas.microsoft.com/office/powerpoint/2010/main">
+          <mc:Choice Requires="p14">
             <p:contentPart p14:bwMode="auto" r:id="rId16">
               <p14:nvContentPartPr>
                 <p14:cNvPr id="13" name="Ink 12">
@@ -34748,7 +34719,7 @@
               </p14:xfrm>
             </p:contentPart>
           </mc:Choice>
-          <mc:Fallback>
+          <mc:Fallback xmlns="">
             <p:pic>
               <p:nvPicPr>
                 <p:cNvPr id="13" name="Ink 12">
@@ -34780,8 +34751,8 @@
           </mc:Fallback>
         </mc:AlternateContent>
       </p:grpSp>
-      <mc:AlternateContent xmlns:mc="http://schemas.openxmlformats.org/markup-compatibility/2006">
-        <mc:Choice xmlns:p14="http://schemas.microsoft.com/office/powerpoint/2010/main" Requires="p14">
+      <mc:AlternateContent xmlns:mc="http://schemas.openxmlformats.org/markup-compatibility/2006" xmlns:p14="http://schemas.microsoft.com/office/powerpoint/2010/main">
+        <mc:Choice Requires="p14">
           <p:contentPart p14:bwMode="auto" r:id="rId18">
             <p14:nvContentPartPr>
               <p14:cNvPr id="17" name="Ink 16">
@@ -34800,7 +34771,7 @@
             </p14:xfrm>
           </p:contentPart>
         </mc:Choice>
-        <mc:Fallback>
+        <mc:Fallback xmlns="">
           <p:pic>
             <p:nvPicPr>
               <p:cNvPr id="17" name="Ink 16">
@@ -34851,8 +34822,8 @@
             <a:chExt cx="4212720" cy="432360"/>
           </a:xfrm>
         </p:grpSpPr>
-        <mc:AlternateContent xmlns:mc="http://schemas.openxmlformats.org/markup-compatibility/2006">
-          <mc:Choice xmlns:p14="http://schemas.microsoft.com/office/powerpoint/2010/main" Requires="p14">
+        <mc:AlternateContent xmlns:mc="http://schemas.openxmlformats.org/markup-compatibility/2006" xmlns:p14="http://schemas.microsoft.com/office/powerpoint/2010/main">
+          <mc:Choice Requires="p14">
             <p:contentPart p14:bwMode="auto" r:id="rId20">
               <p14:nvContentPartPr>
                 <p14:cNvPr id="18" name="Ink 17">
@@ -34871,7 +34842,7 @@
               </p14:xfrm>
             </p:contentPart>
           </mc:Choice>
-          <mc:Fallback>
+          <mc:Fallback xmlns="">
             <p:pic>
               <p:nvPicPr>
                 <p:cNvPr id="18" name="Ink 17">
@@ -34902,8 +34873,8 @@
             </p:pic>
           </mc:Fallback>
         </mc:AlternateContent>
-        <mc:AlternateContent xmlns:mc="http://schemas.openxmlformats.org/markup-compatibility/2006">
-          <mc:Choice xmlns:p14="http://schemas.microsoft.com/office/powerpoint/2010/main" Requires="p14">
+        <mc:AlternateContent xmlns:mc="http://schemas.openxmlformats.org/markup-compatibility/2006" xmlns:p14="http://schemas.microsoft.com/office/powerpoint/2010/main">
+          <mc:Choice Requires="p14">
             <p:contentPart p14:bwMode="auto" r:id="rId22">
               <p14:nvContentPartPr>
                 <p14:cNvPr id="24" name="Ink 23">
@@ -34922,7 +34893,7 @@
               </p14:xfrm>
             </p:contentPart>
           </mc:Choice>
-          <mc:Fallback>
+          <mc:Fallback xmlns="">
             <p:pic>
               <p:nvPicPr>
                 <p:cNvPr id="24" name="Ink 23">
@@ -34974,8 +34945,8 @@
             <a:chExt cx="1973779" cy="1572619"/>
           </a:xfrm>
         </p:grpSpPr>
-        <mc:AlternateContent xmlns:mc="http://schemas.openxmlformats.org/markup-compatibility/2006">
-          <mc:Choice xmlns:a14="http://schemas.microsoft.com/office/drawing/2010/main" Requires="a14">
+        <mc:AlternateContent xmlns:mc="http://schemas.openxmlformats.org/markup-compatibility/2006" xmlns:a14="http://schemas.microsoft.com/office/drawing/2010/main">
+          <mc:Choice Requires="a14">
             <p:sp>
               <p:nvSpPr>
                 <p:cNvPr id="27" name="TextBox 26">
@@ -35004,6 +34975,7 @@
                 </a:bodyPr>
                 <a:lstStyle/>
                 <a:p>
+                  <a:pPr/>
                   <a14:m>
                     <m:oMathPara xmlns:m="http://schemas.openxmlformats.org/officeDocument/2006/math">
                       <m:oMathParaPr>
@@ -35030,7 +35002,7 @@
               </p:txBody>
             </p:sp>
           </mc:Choice>
-          <mc:Fallback>
+          <mc:Fallback xmlns="">
             <p:sp>
               <p:nvSpPr>
                 <p:cNvPr id="27" name="TextBox 26">
@@ -35075,8 +35047,8 @@
             </p:sp>
           </mc:Fallback>
         </mc:AlternateContent>
-        <mc:AlternateContent xmlns:mc="http://schemas.openxmlformats.org/markup-compatibility/2006">
-          <mc:Choice xmlns:a14="http://schemas.microsoft.com/office/drawing/2010/main" Requires="a14">
+        <mc:AlternateContent xmlns:mc="http://schemas.openxmlformats.org/markup-compatibility/2006" xmlns:a14="http://schemas.microsoft.com/office/drawing/2010/main">
+          <mc:Choice Requires="a14">
             <p:sp>
               <p:nvSpPr>
                 <p:cNvPr id="28" name="TextBox 27">
@@ -35105,6 +35077,7 @@
                 </a:bodyPr>
                 <a:lstStyle/>
                 <a:p>
+                  <a:pPr/>
                   <a14:m>
                     <m:oMathPara xmlns:m="http://schemas.openxmlformats.org/officeDocument/2006/math">
                       <m:oMathParaPr>
@@ -35138,7 +35111,7 @@
               </p:txBody>
             </p:sp>
           </mc:Choice>
-          <mc:Fallback>
+          <mc:Fallback xmlns="">
             <p:sp>
               <p:nvSpPr>
                 <p:cNvPr id="28" name="TextBox 27">
@@ -35222,8 +35195,8 @@
             </a:fontRef>
           </p:style>
         </p:cxnSp>
-        <mc:AlternateContent xmlns:mc="http://schemas.openxmlformats.org/markup-compatibility/2006">
-          <mc:Choice xmlns:a14="http://schemas.microsoft.com/office/drawing/2010/main" Requires="a14">
+        <mc:AlternateContent xmlns:mc="http://schemas.openxmlformats.org/markup-compatibility/2006" xmlns:a14="http://schemas.microsoft.com/office/drawing/2010/main">
+          <mc:Choice Requires="a14">
             <p:sp>
               <p:nvSpPr>
                 <p:cNvPr id="47" name="TextBox 46">
@@ -35252,6 +35225,7 @@
                 </a:bodyPr>
                 <a:lstStyle/>
                 <a:p>
+                  <a:pPr/>
                   <a14:m>
                     <m:oMathPara xmlns:m="http://schemas.openxmlformats.org/officeDocument/2006/math">
                       <m:oMathParaPr>
@@ -35268,13 +35242,7 @@
                           <a:rPr lang="en-PH" sz="3500" b="0" i="1" smtClean="0">
                             <a:latin typeface="Cambria Math" panose="02040503050406030204" pitchFamily="18" charset="0"/>
                           </a:rPr>
-                          <m:t>7</m:t>
-                        </m:r>
-                        <m:r>
-                          <a:rPr lang="en-PH" sz="3500" b="0" i="1" smtClean="0">
-                            <a:latin typeface="Cambria Math" panose="02040503050406030204" pitchFamily="18" charset="0"/>
-                          </a:rPr>
-                          <m:t> </m:t>
+                          <m:t>7 </m:t>
                         </m:r>
                         <m:r>
                           <a:rPr lang="en-PH" sz="3500" b="0" i="1" smtClean="0">
@@ -35290,7 +35258,7 @@
               </p:txBody>
             </p:sp>
           </mc:Choice>
-          <mc:Fallback>
+          <mc:Fallback xmlns="">
             <p:sp>
               <p:nvSpPr>
                 <p:cNvPr id="47" name="TextBox 46">
@@ -38683,6 +38651,21 @@
 </file>
 
 <file path=customXml/item1.xml><?xml version="1.0" encoding="utf-8"?>
+<?mso-contentType ?>
+<FormTemplates xmlns="http://schemas.microsoft.com/sharepoint/v3/contenttype/forms">
+  <Display>DocumentLibraryForm</Display>
+  <Edit>DocumentLibraryForm</Edit>
+  <New>DocumentLibraryForm</New>
+</FormTemplates>
+</file>
+
+<file path=customXml/item2.xml><?xml version="1.0" encoding="utf-8"?>
+<p:properties xmlns:p="http://schemas.microsoft.com/office/2006/metadata/properties" xmlns:xsi="http://www.w3.org/2001/XMLSchema-instance" xmlns:pc="http://schemas.microsoft.com/office/infopath/2007/PartnerControls">
+  <documentManagement/>
+</p:properties>
+</file>
+
+<file path=customXml/item3.xml><?xml version="1.0" encoding="utf-8"?>
 <ct:contentTypeSchema xmlns:ct="http://schemas.microsoft.com/office/2006/metadata/contentType" xmlns:ma="http://schemas.microsoft.com/office/2006/metadata/properties/metaAttributes" ct:_="" ma:_="" ma:contentTypeName="Document" ma:contentTypeID="0x0101007188BDCA587B344BBA6CB1A93FAE6998" ma:contentTypeVersion="2" ma:contentTypeDescription="Create a new document." ma:contentTypeScope="" ma:versionID="7a8e4b6720badb2566a0cfeddfaf2856">
   <xsd:schema xmlns:xsd="http://www.w3.org/2001/XMLSchema" xmlns:xs="http://www.w3.org/2001/XMLSchema" xmlns:p="http://schemas.microsoft.com/office/2006/metadata/properties" xmlns:ns2="ba111d12-426d-4af0-bcb6-460e36974645" targetNamespace="http://schemas.microsoft.com/office/2006/metadata/properties" ma:root="true" ma:fieldsID="989b05398519136c88ba0a8d54e3c3da" ns2:_="">
     <xsd:import namespace="ba111d12-426d-4af0-bcb6-460e36974645"/>
@@ -38814,22 +38797,24 @@
 </ct:contentTypeSchema>
 </file>
 
-<file path=customXml/item2.xml><?xml version="1.0" encoding="utf-8"?>
-<p:properties xmlns:p="http://schemas.microsoft.com/office/2006/metadata/properties" xmlns:xsi="http://www.w3.org/2001/XMLSchema-instance" xmlns:pc="http://schemas.microsoft.com/office/infopath/2007/PartnerControls">
-  <documentManagement/>
-</p:properties>
+<file path=customXml/itemProps1.xml><?xml version="1.0" encoding="utf-8"?>
+<ds:datastoreItem xmlns:ds="http://schemas.openxmlformats.org/officeDocument/2006/customXml" ds:itemID="{AE0C03B0-3DE5-4BD9-B3BB-6E4919CD06B4}">
+  <ds:schemaRefs>
+    <ds:schemaRef ds:uri="http://schemas.microsoft.com/sharepoint/v3/contenttype/forms"/>
+  </ds:schemaRefs>
+</ds:datastoreItem>
 </file>
 
-<file path=customXml/item3.xml><?xml version="1.0" encoding="utf-8"?>
-<?mso-contentType ?>
-<FormTemplates xmlns="http://schemas.microsoft.com/sharepoint/v3/contenttype/forms">
-  <Display>DocumentLibraryForm</Display>
-  <Edit>DocumentLibraryForm</Edit>
-  <New>DocumentLibraryForm</New>
-</FormTemplates>
+<file path=customXml/itemProps2.xml><?xml version="1.0" encoding="utf-8"?>
+<ds:datastoreItem xmlns:ds="http://schemas.openxmlformats.org/officeDocument/2006/customXml" ds:itemID="{A05518A6-09E4-4E11-AE7D-4C13722BEBC7}">
+  <ds:schemaRefs>
+    <ds:schemaRef ds:uri="http://schemas.microsoft.com/office/2006/metadata/properties"/>
+    <ds:schemaRef ds:uri="http://schemas.microsoft.com/office/infopath/2007/PartnerControls"/>
+  </ds:schemaRefs>
+</ds:datastoreItem>
 </file>
 
-<file path=customXml/itemProps1.xml><?xml version="1.0" encoding="utf-8"?>
+<file path=customXml/itemProps3.xml><?xml version="1.0" encoding="utf-8"?>
 <ds:datastoreItem xmlns:ds="http://schemas.openxmlformats.org/officeDocument/2006/customXml" ds:itemID="{46BFEDF5-8B64-4FF5-9637-4791A1C152B8}">
   <ds:schemaRefs>
     <ds:schemaRef ds:uri="http://schemas.microsoft.com/office/2006/metadata/contentType"/>
@@ -38845,21 +38830,4 @@
     <ds:schemaRef ds:uri="http://schemas.microsoft.com/internal/obd"/>
   </ds:schemaRefs>
 </ds:datastoreItem>
-</file>
-
-<file path=customXml/itemProps2.xml><?xml version="1.0" encoding="utf-8"?>
-<ds:datastoreItem xmlns:ds="http://schemas.openxmlformats.org/officeDocument/2006/customXml" ds:itemID="{A05518A6-09E4-4E11-AE7D-4C13722BEBC7}">
-  <ds:schemaRefs>
-    <ds:schemaRef ds:uri="http://schemas.microsoft.com/office/2006/metadata/properties"/>
-    <ds:schemaRef ds:uri="http://schemas.microsoft.com/office/infopath/2007/PartnerControls"/>
-  </ds:schemaRefs>
-</ds:datastoreItem>
-</file>
-
-<file path=customXml/itemProps3.xml><?xml version="1.0" encoding="utf-8"?>
-<ds:datastoreItem xmlns:ds="http://schemas.openxmlformats.org/officeDocument/2006/customXml" ds:itemID="{AE0C03B0-3DE5-4BD9-B3BB-6E4919CD06B4}">
-  <ds:schemaRefs>
-    <ds:schemaRef ds:uri="http://schemas.microsoft.com/sharepoint/v3/contenttype/forms"/>
-  </ds:schemaRefs>
-</ds:datastoreItem>
 </file>